--- a/Group6_slide_part2-version2.pptx
+++ b/Group6_slide_part2-version2.pptx
@@ -20,14 +20,14 @@
   <p:notesSz cx="6858000" cy="9144000"/>
   <p:embeddedFontLst>
     <p:embeddedFont>
-      <p:font typeface="Montserrat" pitchFamily="2" charset="77"/>
+      <p:font typeface="Montserrat" panose="00000500000000000000" pitchFamily="2" charset="0"/>
       <p:regular r:id="rId15"/>
       <p:bold r:id="rId16"/>
       <p:italic r:id="rId17"/>
       <p:boldItalic r:id="rId18"/>
     </p:embeddedFont>
     <p:embeddedFont>
-      <p:font typeface="Oswald Medium" panose="020F0502020204030204" pitchFamily="34" charset="0"/>
+      <p:font typeface="Oswald Medium" panose="00000600000000000000" pitchFamily="2" charset="0"/>
       <p:regular r:id="rId19"/>
     </p:embeddedFont>
   </p:embeddedFontLst>
@@ -325,7 +325,7 @@
             <a:fld id="{1D8BD707-D9CF-40AE-B4C6-C98DA3205C09}" type="datetimeFigureOut">
               <a:rPr lang="en-US" smtClean="0"/>
               <a:pPr/>
-              <a:t>11/29/25</a:t>
+              <a:t>11/30/2025</a:t>
             </a:fld>
             <a:endParaRPr lang="en-US"/>
           </a:p>
@@ -490,7 +490,7 @@
             <a:fld id="{1D8BD707-D9CF-40AE-B4C6-C98DA3205C09}" type="datetimeFigureOut">
               <a:rPr lang="en-US" smtClean="0"/>
               <a:pPr/>
-              <a:t>11/29/25</a:t>
+              <a:t>11/30/2025</a:t>
             </a:fld>
             <a:endParaRPr lang="en-US"/>
           </a:p>
@@ -665,7 +665,7 @@
             <a:fld id="{1D8BD707-D9CF-40AE-B4C6-C98DA3205C09}" type="datetimeFigureOut">
               <a:rPr lang="en-US" smtClean="0"/>
               <a:pPr/>
-              <a:t>11/29/25</a:t>
+              <a:t>11/30/2025</a:t>
             </a:fld>
             <a:endParaRPr lang="en-US"/>
           </a:p>
@@ -830,7 +830,7 @@
             <a:fld id="{1D8BD707-D9CF-40AE-B4C6-C98DA3205C09}" type="datetimeFigureOut">
               <a:rPr lang="en-US" smtClean="0"/>
               <a:pPr/>
-              <a:t>11/29/25</a:t>
+              <a:t>11/30/2025</a:t>
             </a:fld>
             <a:endParaRPr lang="en-US"/>
           </a:p>
@@ -1072,7 +1072,7 @@
             <a:fld id="{1D8BD707-D9CF-40AE-B4C6-C98DA3205C09}" type="datetimeFigureOut">
               <a:rPr lang="en-US" smtClean="0"/>
               <a:pPr/>
-              <a:t>11/29/25</a:t>
+              <a:t>11/30/2025</a:t>
             </a:fld>
             <a:endParaRPr lang="en-US"/>
           </a:p>
@@ -1354,7 +1354,7 @@
             <a:fld id="{1D8BD707-D9CF-40AE-B4C6-C98DA3205C09}" type="datetimeFigureOut">
               <a:rPr lang="en-US" smtClean="0"/>
               <a:pPr/>
-              <a:t>11/29/25</a:t>
+              <a:t>11/30/2025</a:t>
             </a:fld>
             <a:endParaRPr lang="en-US"/>
           </a:p>
@@ -1770,7 +1770,7 @@
             <a:fld id="{1D8BD707-D9CF-40AE-B4C6-C98DA3205C09}" type="datetimeFigureOut">
               <a:rPr lang="en-US" smtClean="0"/>
               <a:pPr/>
-              <a:t>11/29/25</a:t>
+              <a:t>11/30/2025</a:t>
             </a:fld>
             <a:endParaRPr lang="en-US"/>
           </a:p>
@@ -1884,7 +1884,7 @@
             <a:fld id="{1D8BD707-D9CF-40AE-B4C6-C98DA3205C09}" type="datetimeFigureOut">
               <a:rPr lang="en-US" smtClean="0"/>
               <a:pPr/>
-              <a:t>11/29/25</a:t>
+              <a:t>11/30/2025</a:t>
             </a:fld>
             <a:endParaRPr lang="en-US"/>
           </a:p>
@@ -1976,7 +1976,7 @@
             <a:fld id="{1D8BD707-D9CF-40AE-B4C6-C98DA3205C09}" type="datetimeFigureOut">
               <a:rPr lang="en-US" smtClean="0"/>
               <a:pPr/>
-              <a:t>11/29/25</a:t>
+              <a:t>11/30/2025</a:t>
             </a:fld>
             <a:endParaRPr lang="en-US"/>
           </a:p>
@@ -2248,7 +2248,7 @@
             <a:fld id="{1D8BD707-D9CF-40AE-B4C6-C98DA3205C09}" type="datetimeFigureOut">
               <a:rPr lang="en-US" smtClean="0"/>
               <a:pPr/>
-              <a:t>11/29/25</a:t>
+              <a:t>11/30/2025</a:t>
             </a:fld>
             <a:endParaRPr lang="en-US"/>
           </a:p>
@@ -2497,7 +2497,7 @@
             <a:fld id="{1D8BD707-D9CF-40AE-B4C6-C98DA3205C09}" type="datetimeFigureOut">
               <a:rPr lang="en-US" smtClean="0"/>
               <a:pPr/>
-              <a:t>11/29/25</a:t>
+              <a:t>11/30/2025</a:t>
             </a:fld>
             <a:endParaRPr lang="en-US"/>
           </a:p>
@@ -2705,7 +2705,7 @@
             <a:fld id="{1D8BD707-D9CF-40AE-B4C6-C98DA3205C09}" type="datetimeFigureOut">
               <a:rPr lang="en-US" smtClean="0"/>
               <a:pPr/>
-              <a:t>11/29/25</a:t>
+              <a:t>11/30/2025</a:t>
             </a:fld>
             <a:endParaRPr lang="en-US"/>
           </a:p>
@@ -5409,6 +5409,479 @@
           </a:p>
         </p:txBody>
       </p:sp>
+      <p:sp>
+        <p:nvSpPr>
+          <p:cNvPr id="10" name="TextBox 9">
+            <a:extLst>
+              <a:ext uri="{FF2B5EF4-FFF2-40B4-BE49-F238E27FC236}">
+                <a16:creationId xmlns:a16="http://schemas.microsoft.com/office/drawing/2014/main" id="{509E4BB3-B1AF-A905-B47B-7092A30604F9}"/>
+              </a:ext>
+            </a:extLst>
+          </p:cNvPr>
+          <p:cNvSpPr txBox="1"/>
+          <p:nvPr/>
+        </p:nvSpPr>
+        <p:spPr>
+          <a:xfrm>
+            <a:off x="990600" y="2661608"/>
+            <a:ext cx="9144000" cy="4524315"/>
+          </a:xfrm>
+          <a:prstGeom prst="rect">
+            <a:avLst/>
+          </a:prstGeom>
+          <a:noFill/>
+        </p:spPr>
+        <p:txBody>
+          <a:bodyPr wrap="square">
+            <a:spAutoFit/>
+          </a:bodyPr>
+          <a:lstStyle/>
+          <a:p>
+            <a:pPr marL="571500" indent="-571500" algn="just">
+              <a:buFont typeface="Arial" panose="020B0604020202020204" pitchFamily="34" charset="0"/>
+              <a:buChar char="•"/>
+            </a:pPr>
+            <a:r>
+              <a:rPr lang="en-US" sz="3600" dirty="0"/>
+              <a:t>On-time flights (False) gained </a:t>
+            </a:r>
+            <a:r>
+              <a:rPr lang="en-US" sz="3600" b="1" dirty="0"/>
+              <a:t>9.3 minutes </a:t>
+            </a:r>
+            <a:r>
+              <a:rPr lang="en-US" sz="3600" dirty="0"/>
+              <a:t>on average.</a:t>
+            </a:r>
+          </a:p>
+          <a:p>
+            <a:pPr marL="571500" indent="-571500" algn="just">
+              <a:buFont typeface="Arial" panose="020B0604020202020204" pitchFamily="34" charset="0"/>
+              <a:buChar char="•"/>
+            </a:pPr>
+            <a:r>
+              <a:rPr lang="en-US" sz="3600" dirty="0"/>
+              <a:t>Late flights (True) gained </a:t>
+            </a:r>
+            <a:r>
+              <a:rPr lang="en-US" sz="3600" b="1" dirty="0"/>
+              <a:t>7.5 minutes </a:t>
+            </a:r>
+            <a:r>
+              <a:rPr lang="en-US" sz="3600" dirty="0"/>
+              <a:t>on average.</a:t>
+            </a:r>
+          </a:p>
+          <a:p>
+            <a:pPr marL="571500" indent="-571500" algn="just">
+              <a:buFont typeface="Arial" panose="020B0604020202020204" pitchFamily="34" charset="0"/>
+              <a:buChar char="•"/>
+            </a:pPr>
+            <a:r>
+              <a:rPr lang="en-US" sz="3600" dirty="0"/>
+              <a:t>Even late flights recovered some time, but less than on-time flights.</a:t>
+            </a:r>
+          </a:p>
+          <a:p>
+            <a:pPr marL="571500" indent="-571500" algn="just">
+              <a:buFont typeface="Arial" panose="020B0604020202020204" pitchFamily="34" charset="0"/>
+              <a:buChar char="•"/>
+            </a:pPr>
+            <a:r>
+              <a:rPr lang="en-US" sz="3600" dirty="0" err="1"/>
+              <a:t>Variablility</a:t>
+            </a:r>
+            <a:r>
+              <a:rPr lang="en-US" sz="3600" dirty="0"/>
+              <a:t>: late flights showed wider spread in gains.</a:t>
+            </a:r>
+          </a:p>
+        </p:txBody>
+      </p:sp>
+      <p:pic>
+        <p:nvPicPr>
+          <p:cNvPr id="17" name="Picture 16" descr="A graph showing a number of different colored squares&#10;&#10;AI-generated content may be incorrect.">
+            <a:extLst>
+              <a:ext uri="{FF2B5EF4-FFF2-40B4-BE49-F238E27FC236}">
+                <a16:creationId xmlns:a16="http://schemas.microsoft.com/office/drawing/2014/main" id="{3EC193FE-0821-4580-1955-959C4BEBC465}"/>
+              </a:ext>
+            </a:extLst>
+          </p:cNvPr>
+          <p:cNvPicPr>
+            <a:picLocks noChangeAspect="1"/>
+          </p:cNvPicPr>
+          <p:nvPr/>
+        </p:nvPicPr>
+        <p:blipFill>
+          <a:blip r:embed="rId4">
+            <a:extLst>
+              <a:ext uri="{28A0092B-C50C-407E-A947-70E740481C1C}">
+                <a14:useLocalDpi xmlns:a14="http://schemas.microsoft.com/office/drawing/2010/main" val="0"/>
+              </a:ext>
+            </a:extLst>
+          </a:blip>
+          <a:stretch>
+            <a:fillRect/>
+          </a:stretch>
+        </p:blipFill>
+        <p:spPr>
+          <a:xfrm>
+            <a:off x="10934700" y="305694"/>
+            <a:ext cx="6972300" cy="4198620"/>
+          </a:xfrm>
+          <a:prstGeom prst="rect">
+            <a:avLst/>
+          </a:prstGeom>
+        </p:spPr>
+      </p:pic>
+      <p:graphicFrame>
+        <p:nvGraphicFramePr>
+          <p:cNvPr id="20" name="Table 19">
+            <a:extLst>
+              <a:ext uri="{FF2B5EF4-FFF2-40B4-BE49-F238E27FC236}">
+                <a16:creationId xmlns:a16="http://schemas.microsoft.com/office/drawing/2014/main" id="{1FA47373-A393-A591-242B-77AA7E8FC6E8}"/>
+              </a:ext>
+            </a:extLst>
+          </p:cNvPr>
+          <p:cNvGraphicFramePr>
+            <a:graphicFrameLocks noGrp="1"/>
+          </p:cNvGraphicFramePr>
+          <p:nvPr>
+            <p:extLst>
+              <p:ext uri="{D42A27DB-BD31-4B8C-83A1-F6EECF244321}">
+                <p14:modId xmlns:p14="http://schemas.microsoft.com/office/powerpoint/2010/main" val="1082773197"/>
+              </p:ext>
+            </p:extLst>
+          </p:nvPr>
+        </p:nvGraphicFramePr>
+        <p:xfrm>
+          <a:off x="11353800" y="5782687"/>
+          <a:ext cx="5867400" cy="2685337"/>
+        </p:xfrm>
+        <a:graphic>
+          <a:graphicData uri="http://schemas.openxmlformats.org/drawingml/2006/table">
+            <a:tbl>
+              <a:tblPr firstRow="1" firstCol="1" bandRow="1">
+                <a:tableStyleId>{9D7B26C5-4107-4FEC-AEDC-1716B250A1EF}</a:tableStyleId>
+              </a:tblPr>
+              <a:tblGrid>
+                <a:gridCol w="1955800">
+                  <a:extLst>
+                    <a:ext uri="{9D8B030D-6E8A-4147-A177-3AD203B41FA5}">
+                      <a16:colId xmlns:a16="http://schemas.microsoft.com/office/drawing/2014/main" val="2060801685"/>
+                    </a:ext>
+                  </a:extLst>
+                </a:gridCol>
+                <a:gridCol w="1955800">
+                  <a:extLst>
+                    <a:ext uri="{9D8B030D-6E8A-4147-A177-3AD203B41FA5}">
+                      <a16:colId xmlns:a16="http://schemas.microsoft.com/office/drawing/2014/main" val="318698710"/>
+                    </a:ext>
+                  </a:extLst>
+                </a:gridCol>
+                <a:gridCol w="1955800">
+                  <a:extLst>
+                    <a:ext uri="{9D8B030D-6E8A-4147-A177-3AD203B41FA5}">
+                      <a16:colId xmlns:a16="http://schemas.microsoft.com/office/drawing/2014/main" val="2686873679"/>
+                    </a:ext>
+                  </a:extLst>
+                </a:gridCol>
+              </a:tblGrid>
+              <a:tr h="897530">
+                <a:tc>
+                  <a:txBody>
+                    <a:bodyPr/>
+                    <a:lstStyle/>
+                    <a:p>
+                      <a:pPr marL="0" marR="0">
+                        <a:lnSpc>
+                          <a:spcPct val="107000"/>
+                        </a:lnSpc>
+                        <a:spcAft>
+                          <a:spcPts val="800"/>
+                        </a:spcAft>
+                        <a:buNone/>
+                      </a:pPr>
+                      <a:r>
+                        <a:rPr lang="en-US" sz="1200" kern="100">
+                          <a:effectLst/>
+                        </a:rPr>
+                        <a:t>Late</a:t>
+                      </a:r>
+                      <a:endParaRPr lang="en-US" sz="1100" kern="100">
+                        <a:effectLst/>
+                        <a:latin typeface="Calibri" panose="020F0502020204030204" pitchFamily="34" charset="0"/>
+                        <a:ea typeface="Calibri" panose="020F0502020204030204" pitchFamily="34" charset="0"/>
+                        <a:cs typeface="Times New Roman" panose="02020603050405020304" pitchFamily="18" charset="0"/>
+                      </a:endParaRPr>
+                    </a:p>
+                  </a:txBody>
+                  <a:tcPr marL="68580" marR="68580" marT="0" marB="0"/>
+                </a:tc>
+                <a:tc>
+                  <a:txBody>
+                    <a:bodyPr/>
+                    <a:lstStyle/>
+                    <a:p>
+                      <a:pPr marL="0" marR="0">
+                        <a:lnSpc>
+                          <a:spcPct val="107000"/>
+                        </a:lnSpc>
+                        <a:spcAft>
+                          <a:spcPts val="800"/>
+                        </a:spcAft>
+                        <a:buNone/>
+                      </a:pPr>
+                      <a:r>
+                        <a:rPr lang="en-US" sz="1200" kern="100" dirty="0">
+                          <a:effectLst/>
+                        </a:rPr>
+                        <a:t>Average Net Gain</a:t>
+                      </a:r>
+                      <a:endParaRPr lang="en-US" sz="1100" kern="100" dirty="0">
+                        <a:effectLst/>
+                        <a:latin typeface="Calibri" panose="020F0502020204030204" pitchFamily="34" charset="0"/>
+                        <a:ea typeface="Calibri" panose="020F0502020204030204" pitchFamily="34" charset="0"/>
+                        <a:cs typeface="Times New Roman" panose="02020603050405020304" pitchFamily="18" charset="0"/>
+                      </a:endParaRPr>
+                    </a:p>
+                  </a:txBody>
+                  <a:tcPr marL="68580" marR="68580" marT="0" marB="0"/>
+                </a:tc>
+                <a:tc>
+                  <a:txBody>
+                    <a:bodyPr/>
+                    <a:lstStyle/>
+                    <a:p>
+                      <a:pPr marL="0" marR="0">
+                        <a:lnSpc>
+                          <a:spcPct val="107000"/>
+                        </a:lnSpc>
+                        <a:spcAft>
+                          <a:spcPts val="800"/>
+                        </a:spcAft>
+                        <a:buNone/>
+                      </a:pPr>
+                      <a:r>
+                        <a:rPr lang="en-US" sz="1200" kern="100" dirty="0">
+                          <a:effectLst/>
+                        </a:rPr>
+                        <a:t>N</a:t>
+                      </a:r>
+                      <a:endParaRPr lang="en-US" sz="1100" kern="100" dirty="0">
+                        <a:effectLst/>
+                        <a:latin typeface="Calibri" panose="020F0502020204030204" pitchFamily="34" charset="0"/>
+                        <a:ea typeface="Calibri" panose="020F0502020204030204" pitchFamily="34" charset="0"/>
+                        <a:cs typeface="Times New Roman" panose="02020603050405020304" pitchFamily="18" charset="0"/>
+                      </a:endParaRPr>
+                    </a:p>
+                  </a:txBody>
+                  <a:tcPr marL="68580" marR="68580" marT="0" marB="0"/>
+                </a:tc>
+                <a:extLst>
+                  <a:ext uri="{0D108BD9-81ED-4DB2-BD59-A6C34878D82A}">
+                    <a16:rowId xmlns:a16="http://schemas.microsoft.com/office/drawing/2014/main" val="2473979549"/>
+                  </a:ext>
+                </a:extLst>
+              </a:tr>
+              <a:tr h="890277">
+                <a:tc>
+                  <a:txBody>
+                    <a:bodyPr/>
+                    <a:lstStyle/>
+                    <a:p>
+                      <a:pPr marL="0" marR="0">
+                        <a:lnSpc>
+                          <a:spcPct val="107000"/>
+                        </a:lnSpc>
+                        <a:spcAft>
+                          <a:spcPts val="800"/>
+                        </a:spcAft>
+                        <a:buNone/>
+                      </a:pPr>
+                      <a:r>
+                        <a:rPr lang="en-US" sz="1200" kern="100" dirty="0">
+                          <a:effectLst/>
+                        </a:rPr>
+                        <a:t>False</a:t>
+                      </a:r>
+                      <a:endParaRPr lang="en-US" sz="1100" kern="100" dirty="0">
+                        <a:effectLst/>
+                        <a:latin typeface="Calibri" panose="020F0502020204030204" pitchFamily="34" charset="0"/>
+                        <a:ea typeface="Calibri" panose="020F0502020204030204" pitchFamily="34" charset="0"/>
+                        <a:cs typeface="Times New Roman" panose="02020603050405020304" pitchFamily="18" charset="0"/>
+                      </a:endParaRPr>
+                    </a:p>
+                  </a:txBody>
+                  <a:tcPr marL="68580" marR="68580" marT="0" marB="0"/>
+                </a:tc>
+                <a:tc>
+                  <a:txBody>
+                    <a:bodyPr/>
+                    <a:lstStyle/>
+                    <a:p>
+                      <a:pPr marL="0" marR="0">
+                        <a:lnSpc>
+                          <a:spcPct val="107000"/>
+                        </a:lnSpc>
+                        <a:spcAft>
+                          <a:spcPts val="800"/>
+                        </a:spcAft>
+                        <a:buNone/>
+                      </a:pPr>
+                      <a:r>
+                        <a:rPr lang="en-US" sz="1200" kern="100" dirty="0">
+                          <a:effectLst/>
+                        </a:rPr>
+                        <a:t>9.27</a:t>
+                      </a:r>
+                      <a:endParaRPr lang="en-US" sz="1100" kern="100" dirty="0">
+                        <a:effectLst/>
+                        <a:latin typeface="Calibri" panose="020F0502020204030204" pitchFamily="34" charset="0"/>
+                        <a:ea typeface="Calibri" panose="020F0502020204030204" pitchFamily="34" charset="0"/>
+                        <a:cs typeface="Times New Roman" panose="02020603050405020304" pitchFamily="18" charset="0"/>
+                      </a:endParaRPr>
+                    </a:p>
+                  </a:txBody>
+                  <a:tcPr marL="68580" marR="68580" marT="0" marB="0"/>
+                </a:tc>
+                <a:tc>
+                  <a:txBody>
+                    <a:bodyPr/>
+                    <a:lstStyle/>
+                    <a:p>
+                      <a:pPr marL="0" marR="0">
+                        <a:lnSpc>
+                          <a:spcPct val="107000"/>
+                        </a:lnSpc>
+                        <a:spcAft>
+                          <a:spcPts val="800"/>
+                        </a:spcAft>
+                        <a:buNone/>
+                      </a:pPr>
+                      <a:r>
+                        <a:rPr lang="en-US" sz="1200" kern="100" dirty="0">
+                          <a:effectLst/>
+                        </a:rPr>
+                        <a:t>30657</a:t>
+                      </a:r>
+                      <a:endParaRPr lang="en-US" sz="1100" kern="100" dirty="0">
+                        <a:effectLst/>
+                        <a:latin typeface="Calibri" panose="020F0502020204030204" pitchFamily="34" charset="0"/>
+                        <a:ea typeface="Calibri" panose="020F0502020204030204" pitchFamily="34" charset="0"/>
+                        <a:cs typeface="Times New Roman" panose="02020603050405020304" pitchFamily="18" charset="0"/>
+                      </a:endParaRPr>
+                    </a:p>
+                  </a:txBody>
+                  <a:tcPr marL="68580" marR="68580" marT="0" marB="0"/>
+                </a:tc>
+                <a:extLst>
+                  <a:ext uri="{0D108BD9-81ED-4DB2-BD59-A6C34878D82A}">
+                    <a16:rowId xmlns:a16="http://schemas.microsoft.com/office/drawing/2014/main" val="3031437190"/>
+                  </a:ext>
+                </a:extLst>
+              </a:tr>
+              <a:tr h="897530">
+                <a:tc>
+                  <a:txBody>
+                    <a:bodyPr/>
+                    <a:lstStyle/>
+                    <a:p>
+                      <a:pPr marL="0" marR="0">
+                        <a:lnSpc>
+                          <a:spcPct val="107000"/>
+                        </a:lnSpc>
+                        <a:spcAft>
+                          <a:spcPts val="800"/>
+                        </a:spcAft>
+                        <a:buNone/>
+                      </a:pPr>
+                      <a:r>
+                        <a:rPr lang="en-US" sz="1200" kern="100">
+                          <a:effectLst/>
+                        </a:rPr>
+                        <a:t>True</a:t>
+                      </a:r>
+                      <a:endParaRPr lang="en-US" sz="1100" kern="100">
+                        <a:effectLst/>
+                        <a:latin typeface="Calibri" panose="020F0502020204030204" pitchFamily="34" charset="0"/>
+                        <a:ea typeface="Calibri" panose="020F0502020204030204" pitchFamily="34" charset="0"/>
+                        <a:cs typeface="Times New Roman" panose="02020603050405020304" pitchFamily="18" charset="0"/>
+                      </a:endParaRPr>
+                    </a:p>
+                  </a:txBody>
+                  <a:tcPr marL="68580" marR="68580" marT="0" marB="0"/>
+                </a:tc>
+                <a:tc>
+                  <a:txBody>
+                    <a:bodyPr/>
+                    <a:lstStyle/>
+                    <a:p>
+                      <a:pPr marL="0" marR="0">
+                        <a:lnSpc>
+                          <a:spcPct val="107000"/>
+                        </a:lnSpc>
+                        <a:spcAft>
+                          <a:spcPts val="800"/>
+                        </a:spcAft>
+                        <a:buNone/>
+                      </a:pPr>
+                      <a:r>
+                        <a:rPr lang="en-US" sz="1200" kern="100">
+                          <a:effectLst/>
+                        </a:rPr>
+                        <a:t>7.54</a:t>
+                      </a:r>
+                      <a:endParaRPr lang="en-US" sz="1100" kern="100">
+                        <a:effectLst/>
+                        <a:latin typeface="Calibri" panose="020F0502020204030204" pitchFamily="34" charset="0"/>
+                        <a:ea typeface="Calibri" panose="020F0502020204030204" pitchFamily="34" charset="0"/>
+                        <a:cs typeface="Times New Roman" panose="02020603050405020304" pitchFamily="18" charset="0"/>
+                      </a:endParaRPr>
+                    </a:p>
+                  </a:txBody>
+                  <a:tcPr marL="68580" marR="68580" marT="0" marB="0"/>
+                </a:tc>
+                <a:tc>
+                  <a:txBody>
+                    <a:bodyPr/>
+                    <a:lstStyle/>
+                    <a:p>
+                      <a:pPr marL="0" marR="0">
+                        <a:lnSpc>
+                          <a:spcPct val="107000"/>
+                        </a:lnSpc>
+                        <a:spcAft>
+                          <a:spcPts val="800"/>
+                        </a:spcAft>
+                        <a:buNone/>
+                      </a:pPr>
+                      <a:r>
+                        <a:rPr lang="en-US" sz="1200" kern="100" dirty="0">
+                          <a:effectLst/>
+                        </a:rPr>
+                        <a:t>27125</a:t>
+                      </a:r>
+                      <a:endParaRPr lang="en-US" sz="1100" kern="100" dirty="0">
+                        <a:effectLst/>
+                        <a:latin typeface="Calibri" panose="020F0502020204030204" pitchFamily="34" charset="0"/>
+                        <a:ea typeface="Calibri" panose="020F0502020204030204" pitchFamily="34" charset="0"/>
+                        <a:cs typeface="Times New Roman" panose="02020603050405020304" pitchFamily="18" charset="0"/>
+                      </a:endParaRPr>
+                    </a:p>
+                  </a:txBody>
+                  <a:tcPr marL="68580" marR="68580" marT="0" marB="0"/>
+                </a:tc>
+                <a:extLst>
+                  <a:ext uri="{0D108BD9-81ED-4DB2-BD59-A6C34878D82A}">
+                    <a16:rowId xmlns:a16="http://schemas.microsoft.com/office/drawing/2014/main" val="2610488251"/>
+                  </a:ext>
+                </a:extLst>
+              </a:tr>
+            </a:tbl>
+          </a:graphicData>
+        </a:graphic>
+      </p:graphicFrame>
     </p:spTree>
     <p:extLst>
       <p:ext uri="{BB962C8B-B14F-4D97-AF65-F5344CB8AC3E}">
@@ -5754,6 +6227,561 @@
           </a:p>
         </p:txBody>
       </p:sp>
+      <p:sp>
+        <p:nvSpPr>
+          <p:cNvPr id="10" name="TextBox 9">
+            <a:extLst>
+              <a:ext uri="{FF2B5EF4-FFF2-40B4-BE49-F238E27FC236}">
+                <a16:creationId xmlns:a16="http://schemas.microsoft.com/office/drawing/2014/main" id="{6851811B-7859-CB5B-E415-D6ADBE127E48}"/>
+              </a:ext>
+            </a:extLst>
+          </p:cNvPr>
+          <p:cNvSpPr txBox="1"/>
+          <p:nvPr/>
+        </p:nvSpPr>
+        <p:spPr>
+          <a:xfrm>
+            <a:off x="838200" y="2300859"/>
+            <a:ext cx="9144000" cy="4524315"/>
+          </a:xfrm>
+          <a:prstGeom prst="rect">
+            <a:avLst/>
+          </a:prstGeom>
+          <a:noFill/>
+        </p:spPr>
+        <p:txBody>
+          <a:bodyPr wrap="square">
+            <a:spAutoFit/>
+          </a:bodyPr>
+          <a:lstStyle/>
+          <a:p>
+            <a:pPr marL="571500" indent="-571500" algn="just">
+              <a:buFont typeface="Arial" panose="020B0604020202020204" pitchFamily="34" charset="0"/>
+              <a:buChar char="•"/>
+            </a:pPr>
+            <a:r>
+              <a:rPr lang="en-US" sz="3600" dirty="0"/>
+              <a:t>Not </a:t>
+            </a:r>
+            <a:r>
+              <a:rPr lang="en-US" sz="3600" dirty="0" err="1"/>
+              <a:t>very_late</a:t>
+            </a:r>
+            <a:r>
+              <a:rPr lang="en-US" sz="3600" dirty="0"/>
+              <a:t> flights (False) gained </a:t>
+            </a:r>
+            <a:r>
+              <a:rPr lang="en-US" sz="3600" b="1" dirty="0"/>
+              <a:t>8.7 minutes</a:t>
+            </a:r>
+            <a:r>
+              <a:rPr lang="en-US" sz="3600" dirty="0"/>
+              <a:t> on average.</a:t>
+            </a:r>
+          </a:p>
+          <a:p>
+            <a:pPr marL="571500" indent="-571500" algn="just">
+              <a:buFont typeface="Arial" panose="020B0604020202020204" pitchFamily="34" charset="0"/>
+              <a:buChar char="•"/>
+            </a:pPr>
+            <a:r>
+              <a:rPr lang="en-US" sz="3600" dirty="0"/>
+              <a:t>Very late flights (True) gained </a:t>
+            </a:r>
+            <a:r>
+              <a:rPr lang="en-US" sz="3600" b="1" dirty="0"/>
+              <a:t>6.9 minutes </a:t>
+            </a:r>
+            <a:r>
+              <a:rPr lang="en-US" sz="3600" dirty="0"/>
+              <a:t>on average.</a:t>
+            </a:r>
+          </a:p>
+          <a:p>
+            <a:pPr marL="571500" indent="-571500" algn="just">
+              <a:buFont typeface="Arial" panose="020B0604020202020204" pitchFamily="34" charset="0"/>
+              <a:buChar char="•"/>
+            </a:pPr>
+            <a:r>
+              <a:rPr lang="en-US" sz="3600" dirty="0"/>
+              <a:t>Extreme delays are harder to recover = less time gained on average.</a:t>
+            </a:r>
+          </a:p>
+          <a:p>
+            <a:pPr marL="571500" indent="-571500" algn="just">
+              <a:buFont typeface="Arial" panose="020B0604020202020204" pitchFamily="34" charset="0"/>
+              <a:buChar char="•"/>
+            </a:pPr>
+            <a:r>
+              <a:rPr lang="en-US" sz="3600" dirty="0"/>
+              <a:t>Greater inconsistency in recovery among very late flights.</a:t>
+            </a:r>
+          </a:p>
+        </p:txBody>
+      </p:sp>
+      <p:sp>
+        <p:nvSpPr>
+          <p:cNvPr id="20" name="Rectangle 2">
+            <a:extLst>
+              <a:ext uri="{FF2B5EF4-FFF2-40B4-BE49-F238E27FC236}">
+                <a16:creationId xmlns:a16="http://schemas.microsoft.com/office/drawing/2014/main" id="{12441358-4DD7-F4B9-8AEA-E7A8EB0D1F7B}"/>
+              </a:ext>
+            </a:extLst>
+          </p:cNvPr>
+          <p:cNvSpPr>
+            <a:spLocks noChangeArrowheads="1"/>
+          </p:cNvSpPr>
+          <p:nvPr/>
+        </p:nvSpPr>
+        <p:spPr bwMode="auto">
+          <a:xfrm>
+            <a:off x="11277283" y="5992986"/>
+            <a:ext cx="23121796" cy="1410819"/>
+          </a:xfrm>
+          <a:prstGeom prst="rect">
+            <a:avLst/>
+          </a:prstGeom>
+          <a:noFill/>
+          <a:ln>
+            <a:noFill/>
+          </a:ln>
+          <a:effectLst/>
+          <a:extLst>
+            <a:ext uri="{909E8E84-426E-40DD-AFC4-6F175D3DCCD1}">
+              <a14:hiddenFill xmlns:a14="http://schemas.microsoft.com/office/drawing/2010/main">
+                <a:solidFill>
+                  <a:schemeClr val="accent1"/>
+                </a:solidFill>
+              </a14:hiddenFill>
+            </a:ext>
+            <a:ext uri="{91240B29-F687-4F45-9708-019B960494DF}">
+              <a14:hiddenLine xmlns:a14="http://schemas.microsoft.com/office/drawing/2010/main" w="9525">
+                <a:solidFill>
+                  <a:schemeClr val="tx1"/>
+                </a:solidFill>
+                <a:miter lim="800000"/>
+                <a:headEnd/>
+                <a:tailEnd/>
+              </a14:hiddenLine>
+            </a:ext>
+            <a:ext uri="{AF507438-7753-43E0-B8FC-AC1667EBCBE1}">
+              <a14:hiddenEffects xmlns:a14="http://schemas.microsoft.com/office/drawing/2010/main">
+                <a:effectLst>
+                  <a:outerShdw dist="35921" dir="2700000" algn="ctr" rotWithShape="0">
+                    <a:schemeClr val="bg2"/>
+                  </a:outerShdw>
+                </a:effectLst>
+              </a14:hiddenEffects>
+            </a:ext>
+          </a:extLst>
+        </p:spPr>
+        <p:txBody>
+          <a:bodyPr vert="horz" wrap="square" lIns="91440" tIns="45720" rIns="91440" bIns="45720" numCol="1" anchor="ctr" anchorCtr="0" compatLnSpc="1">
+            <a:prstTxWarp prst="textNoShape">
+              <a:avLst/>
+            </a:prstTxWarp>
+            <a:spAutoFit/>
+          </a:bodyPr>
+          <a:lstStyle/>
+          <a:p>
+            <a:endParaRPr lang="en-US"/>
+          </a:p>
+        </p:txBody>
+      </p:sp>
+      <p:pic>
+        <p:nvPicPr>
+          <p:cNvPr id="21" name="Picture 20" descr="A graph with a blue and pink rectangle&#10;&#10;AI-generated content may be incorrect.">
+            <a:extLst>
+              <a:ext uri="{FF2B5EF4-FFF2-40B4-BE49-F238E27FC236}">
+                <a16:creationId xmlns:a16="http://schemas.microsoft.com/office/drawing/2014/main" id="{B4951988-76ED-D58A-4CA0-1282542BEC4C}"/>
+              </a:ext>
+            </a:extLst>
+          </p:cNvPr>
+          <p:cNvPicPr>
+            <a:picLocks noChangeAspect="1"/>
+          </p:cNvPicPr>
+          <p:nvPr/>
+        </p:nvPicPr>
+        <p:blipFill rotWithShape="1">
+          <a:blip r:embed="rId4">
+            <a:extLst>
+              <a:ext uri="{28A0092B-C50C-407E-A947-70E740481C1C}">
+                <a14:useLocalDpi xmlns:a14="http://schemas.microsoft.com/office/drawing/2010/main" val="0"/>
+              </a:ext>
+            </a:extLst>
+          </a:blip>
+          <a:srcRect l="2586" r="5614"/>
+          <a:stretch>
+            <a:fillRect/>
+          </a:stretch>
+        </p:blipFill>
+        <p:spPr bwMode="auto">
+          <a:xfrm>
+            <a:off x="11277283" y="771548"/>
+            <a:ext cx="5679106" cy="3523619"/>
+          </a:xfrm>
+          <a:prstGeom prst="rect">
+            <a:avLst/>
+          </a:prstGeom>
+          <a:ln>
+            <a:noFill/>
+          </a:ln>
+          <a:extLst>
+            <a:ext uri="{53640926-AAD7-44D8-BBD7-CCE9431645EC}">
+              <a14:shadowObscured xmlns:a14="http://schemas.microsoft.com/office/drawing/2010/main"/>
+            </a:ext>
+          </a:extLst>
+        </p:spPr>
+      </p:pic>
+      <p:graphicFrame>
+        <p:nvGraphicFramePr>
+          <p:cNvPr id="22" name="Table 21">
+            <a:extLst>
+              <a:ext uri="{FF2B5EF4-FFF2-40B4-BE49-F238E27FC236}">
+                <a16:creationId xmlns:a16="http://schemas.microsoft.com/office/drawing/2014/main" id="{3403839C-C832-7A10-8899-12A41D3D958B}"/>
+              </a:ext>
+            </a:extLst>
+          </p:cNvPr>
+          <p:cNvGraphicFramePr>
+            <a:graphicFrameLocks noGrp="1"/>
+          </p:cNvGraphicFramePr>
+          <p:nvPr>
+            <p:extLst>
+              <p:ext uri="{D42A27DB-BD31-4B8C-83A1-F6EECF244321}">
+                <p14:modId xmlns:p14="http://schemas.microsoft.com/office/powerpoint/2010/main" val="2133625759"/>
+              </p:ext>
+            </p:extLst>
+          </p:nvPr>
+        </p:nvGraphicFramePr>
+        <p:xfrm>
+          <a:off x="11636049" y="5619259"/>
+          <a:ext cx="4961574" cy="1784546"/>
+        </p:xfrm>
+        <a:graphic>
+          <a:graphicData uri="http://schemas.openxmlformats.org/drawingml/2006/table">
+            <a:tbl>
+              <a:tblPr firstRow="1" firstCol="1" bandRow="1">
+                <a:tableStyleId>{9D7B26C5-4107-4FEC-AEDC-1716B250A1EF}</a:tableStyleId>
+              </a:tblPr>
+              <a:tblGrid>
+                <a:gridCol w="1653858">
+                  <a:extLst>
+                    <a:ext uri="{9D8B030D-6E8A-4147-A177-3AD203B41FA5}">
+                      <a16:colId xmlns:a16="http://schemas.microsoft.com/office/drawing/2014/main" val="4071728812"/>
+                    </a:ext>
+                  </a:extLst>
+                </a:gridCol>
+                <a:gridCol w="1653858">
+                  <a:extLst>
+                    <a:ext uri="{9D8B030D-6E8A-4147-A177-3AD203B41FA5}">
+                      <a16:colId xmlns:a16="http://schemas.microsoft.com/office/drawing/2014/main" val="2137828195"/>
+                    </a:ext>
+                  </a:extLst>
+                </a:gridCol>
+                <a:gridCol w="1653858">
+                  <a:extLst>
+                    <a:ext uri="{9D8B030D-6E8A-4147-A177-3AD203B41FA5}">
+                      <a16:colId xmlns:a16="http://schemas.microsoft.com/office/drawing/2014/main" val="928805893"/>
+                    </a:ext>
+                  </a:extLst>
+                </a:gridCol>
+              </a:tblGrid>
+              <a:tr h="603520">
+                <a:tc>
+                  <a:txBody>
+                    <a:bodyPr/>
+                    <a:lstStyle/>
+                    <a:p>
+                      <a:pPr marL="0" marR="0">
+                        <a:lnSpc>
+                          <a:spcPct val="107000"/>
+                        </a:lnSpc>
+                        <a:spcAft>
+                          <a:spcPts val="800"/>
+                        </a:spcAft>
+                        <a:buNone/>
+                      </a:pPr>
+                      <a:r>
+                        <a:rPr lang="en-US" sz="1200" kern="100">
+                          <a:effectLst/>
+                        </a:rPr>
+                        <a:t>Very_late</a:t>
+                      </a:r>
+                      <a:endParaRPr lang="en-US" sz="1100" kern="100">
+                        <a:effectLst/>
+                        <a:latin typeface="Calibri" panose="020F0502020204030204" pitchFamily="34" charset="0"/>
+                        <a:ea typeface="Calibri" panose="020F0502020204030204" pitchFamily="34" charset="0"/>
+                        <a:cs typeface="Times New Roman" panose="02020603050405020304" pitchFamily="18" charset="0"/>
+                      </a:endParaRPr>
+                    </a:p>
+                  </a:txBody>
+                  <a:tcPr marL="68580" marR="68580" marT="0" marB="0"/>
+                </a:tc>
+                <a:tc>
+                  <a:txBody>
+                    <a:bodyPr/>
+                    <a:lstStyle/>
+                    <a:p>
+                      <a:pPr marL="0" marR="0">
+                        <a:lnSpc>
+                          <a:spcPct val="107000"/>
+                        </a:lnSpc>
+                        <a:spcAft>
+                          <a:spcPts val="800"/>
+                        </a:spcAft>
+                        <a:buNone/>
+                      </a:pPr>
+                      <a:r>
+                        <a:rPr lang="en-US" sz="1200" kern="100">
+                          <a:effectLst/>
+                        </a:rPr>
+                        <a:t>Average Net Gain</a:t>
+                      </a:r>
+                      <a:endParaRPr lang="en-US" sz="1100" kern="100">
+                        <a:effectLst/>
+                        <a:latin typeface="Calibri" panose="020F0502020204030204" pitchFamily="34" charset="0"/>
+                        <a:ea typeface="Calibri" panose="020F0502020204030204" pitchFamily="34" charset="0"/>
+                        <a:cs typeface="Times New Roman" panose="02020603050405020304" pitchFamily="18" charset="0"/>
+                      </a:endParaRPr>
+                    </a:p>
+                  </a:txBody>
+                  <a:tcPr marL="68580" marR="68580" marT="0" marB="0"/>
+                </a:tc>
+                <a:tc>
+                  <a:txBody>
+                    <a:bodyPr/>
+                    <a:lstStyle/>
+                    <a:p>
+                      <a:pPr marL="0" marR="0">
+                        <a:lnSpc>
+                          <a:spcPct val="107000"/>
+                        </a:lnSpc>
+                        <a:spcAft>
+                          <a:spcPts val="800"/>
+                        </a:spcAft>
+                        <a:buNone/>
+                      </a:pPr>
+                      <a:r>
+                        <a:rPr lang="en-US" sz="1200" kern="100">
+                          <a:effectLst/>
+                        </a:rPr>
+                        <a:t>N</a:t>
+                      </a:r>
+                      <a:endParaRPr lang="en-US" sz="1100" kern="100">
+                        <a:effectLst/>
+                        <a:latin typeface="Calibri" panose="020F0502020204030204" pitchFamily="34" charset="0"/>
+                        <a:ea typeface="Calibri" panose="020F0502020204030204" pitchFamily="34" charset="0"/>
+                        <a:cs typeface="Times New Roman" panose="02020603050405020304" pitchFamily="18" charset="0"/>
+                      </a:endParaRPr>
+                    </a:p>
+                  </a:txBody>
+                  <a:tcPr marL="68580" marR="68580" marT="0" marB="0"/>
+                </a:tc>
+                <a:extLst>
+                  <a:ext uri="{0D108BD9-81ED-4DB2-BD59-A6C34878D82A}">
+                    <a16:rowId xmlns:a16="http://schemas.microsoft.com/office/drawing/2014/main" val="331953316"/>
+                  </a:ext>
+                </a:extLst>
+              </a:tr>
+              <a:tr h="577506">
+                <a:tc>
+                  <a:txBody>
+                    <a:bodyPr/>
+                    <a:lstStyle/>
+                    <a:p>
+                      <a:pPr marL="0" marR="0">
+                        <a:lnSpc>
+                          <a:spcPct val="107000"/>
+                        </a:lnSpc>
+                        <a:spcAft>
+                          <a:spcPts val="800"/>
+                        </a:spcAft>
+                        <a:buNone/>
+                      </a:pPr>
+                      <a:r>
+                        <a:rPr lang="en-US" sz="1200" kern="100">
+                          <a:effectLst/>
+                        </a:rPr>
+                        <a:t>False</a:t>
+                      </a:r>
+                      <a:endParaRPr lang="en-US" sz="1100" kern="100">
+                        <a:effectLst/>
+                        <a:latin typeface="Calibri" panose="020F0502020204030204" pitchFamily="34" charset="0"/>
+                        <a:ea typeface="Calibri" panose="020F0502020204030204" pitchFamily="34" charset="0"/>
+                        <a:cs typeface="Times New Roman" panose="02020603050405020304" pitchFamily="18" charset="0"/>
+                      </a:endParaRPr>
+                    </a:p>
+                  </a:txBody>
+                  <a:tcPr marL="68580" marR="68580" marT="0" marB="0"/>
+                </a:tc>
+                <a:tc>
+                  <a:txBody>
+                    <a:bodyPr/>
+                    <a:lstStyle/>
+                    <a:p>
+                      <a:pPr marL="0" marR="0">
+                        <a:lnSpc>
+                          <a:spcPct val="107000"/>
+                        </a:lnSpc>
+                        <a:spcAft>
+                          <a:spcPts val="800"/>
+                        </a:spcAft>
+                        <a:buNone/>
+                      </a:pPr>
+                      <a:r>
+                        <a:rPr lang="en-US" sz="1200" kern="100" dirty="0">
+                          <a:effectLst/>
+                        </a:rPr>
+                        <a:t>8.7</a:t>
+                      </a:r>
+                      <a:endParaRPr lang="en-US" sz="1100" kern="100" dirty="0">
+                        <a:effectLst/>
+                        <a:latin typeface="Calibri" panose="020F0502020204030204" pitchFamily="34" charset="0"/>
+                        <a:ea typeface="Calibri" panose="020F0502020204030204" pitchFamily="34" charset="0"/>
+                        <a:cs typeface="Times New Roman" panose="02020603050405020304" pitchFamily="18" charset="0"/>
+                      </a:endParaRPr>
+                    </a:p>
+                  </a:txBody>
+                  <a:tcPr marL="68580" marR="68580" marT="0" marB="0"/>
+                </a:tc>
+                <a:tc>
+                  <a:txBody>
+                    <a:bodyPr/>
+                    <a:lstStyle/>
+                    <a:p>
+                      <a:pPr marL="0" marR="0">
+                        <a:lnSpc>
+                          <a:spcPct val="107000"/>
+                        </a:lnSpc>
+                        <a:spcAft>
+                          <a:spcPts val="800"/>
+                        </a:spcAft>
+                        <a:buNone/>
+                      </a:pPr>
+                      <a:r>
+                        <a:rPr lang="en-US" sz="1200" kern="100">
+                          <a:effectLst/>
+                        </a:rPr>
+                        <a:t>50232</a:t>
+                      </a:r>
+                      <a:endParaRPr lang="en-US" sz="1100" kern="100">
+                        <a:effectLst/>
+                        <a:latin typeface="Calibri" panose="020F0502020204030204" pitchFamily="34" charset="0"/>
+                        <a:ea typeface="Calibri" panose="020F0502020204030204" pitchFamily="34" charset="0"/>
+                        <a:cs typeface="Times New Roman" panose="02020603050405020304" pitchFamily="18" charset="0"/>
+                      </a:endParaRPr>
+                    </a:p>
+                  </a:txBody>
+                  <a:tcPr marL="68580" marR="68580" marT="0" marB="0"/>
+                </a:tc>
+                <a:extLst>
+                  <a:ext uri="{0D108BD9-81ED-4DB2-BD59-A6C34878D82A}">
+                    <a16:rowId xmlns:a16="http://schemas.microsoft.com/office/drawing/2014/main" val="259280044"/>
+                  </a:ext>
+                </a:extLst>
+              </a:tr>
+              <a:tr h="603520">
+                <a:tc>
+                  <a:txBody>
+                    <a:bodyPr/>
+                    <a:lstStyle/>
+                    <a:p>
+                      <a:pPr marL="0" marR="0">
+                        <a:lnSpc>
+                          <a:spcPct val="107000"/>
+                        </a:lnSpc>
+                        <a:spcAft>
+                          <a:spcPts val="800"/>
+                        </a:spcAft>
+                        <a:buNone/>
+                      </a:pPr>
+                      <a:r>
+                        <a:rPr lang="en-US" sz="1200" kern="100">
+                          <a:effectLst/>
+                        </a:rPr>
+                        <a:t>True</a:t>
+                      </a:r>
+                      <a:endParaRPr lang="en-US" sz="1100" kern="100">
+                        <a:effectLst/>
+                        <a:latin typeface="Calibri" panose="020F0502020204030204" pitchFamily="34" charset="0"/>
+                        <a:ea typeface="Calibri" panose="020F0502020204030204" pitchFamily="34" charset="0"/>
+                        <a:cs typeface="Times New Roman" panose="02020603050405020304" pitchFamily="18" charset="0"/>
+                      </a:endParaRPr>
+                    </a:p>
+                  </a:txBody>
+                  <a:tcPr marL="68580" marR="68580" marT="0" marB="0"/>
+                </a:tc>
+                <a:tc>
+                  <a:txBody>
+                    <a:bodyPr/>
+                    <a:lstStyle/>
+                    <a:p>
+                      <a:pPr marL="0" marR="0">
+                        <a:lnSpc>
+                          <a:spcPct val="107000"/>
+                        </a:lnSpc>
+                        <a:spcAft>
+                          <a:spcPts val="800"/>
+                        </a:spcAft>
+                        <a:buNone/>
+                      </a:pPr>
+                      <a:r>
+                        <a:rPr lang="en-US" sz="1200" kern="100">
+                          <a:effectLst/>
+                        </a:rPr>
+                        <a:t>6.86</a:t>
+                      </a:r>
+                      <a:endParaRPr lang="en-US" sz="1100" kern="100">
+                        <a:effectLst/>
+                        <a:latin typeface="Calibri" panose="020F0502020204030204" pitchFamily="34" charset="0"/>
+                        <a:ea typeface="Calibri" panose="020F0502020204030204" pitchFamily="34" charset="0"/>
+                        <a:cs typeface="Times New Roman" panose="02020603050405020304" pitchFamily="18" charset="0"/>
+                      </a:endParaRPr>
+                    </a:p>
+                  </a:txBody>
+                  <a:tcPr marL="68580" marR="68580" marT="0" marB="0"/>
+                </a:tc>
+                <a:tc>
+                  <a:txBody>
+                    <a:bodyPr/>
+                    <a:lstStyle/>
+                    <a:p>
+                      <a:pPr marL="0" marR="0">
+                        <a:lnSpc>
+                          <a:spcPct val="107000"/>
+                        </a:lnSpc>
+                        <a:spcAft>
+                          <a:spcPts val="800"/>
+                        </a:spcAft>
+                        <a:buNone/>
+                      </a:pPr>
+                      <a:r>
+                        <a:rPr lang="en-US" sz="1200" kern="100" dirty="0">
+                          <a:effectLst/>
+                        </a:rPr>
+                        <a:t>7550</a:t>
+                      </a:r>
+                      <a:endParaRPr lang="en-US" sz="1100" kern="100" dirty="0">
+                        <a:effectLst/>
+                        <a:latin typeface="Calibri" panose="020F0502020204030204" pitchFamily="34" charset="0"/>
+                        <a:ea typeface="Calibri" panose="020F0502020204030204" pitchFamily="34" charset="0"/>
+                        <a:cs typeface="Times New Roman" panose="02020603050405020304" pitchFamily="18" charset="0"/>
+                      </a:endParaRPr>
+                    </a:p>
+                  </a:txBody>
+                  <a:tcPr marL="68580" marR="68580" marT="0" marB="0"/>
+                </a:tc>
+                <a:extLst>
+                  <a:ext uri="{0D108BD9-81ED-4DB2-BD59-A6C34878D82A}">
+                    <a16:rowId xmlns:a16="http://schemas.microsoft.com/office/drawing/2014/main" val="1497905906"/>
+                  </a:ext>
+                </a:extLst>
+              </a:tr>
+            </a:tbl>
+          </a:graphicData>
+        </a:graphic>
+      </p:graphicFrame>
     </p:spTree>
     <p:extLst>
       <p:ext uri="{BB962C8B-B14F-4D97-AF65-F5344CB8AC3E}">
@@ -6074,8 +7102,8 @@
         </p:nvSpPr>
         <p:spPr>
           <a:xfrm>
-            <a:off x="9143998" y="4020115"/>
-            <a:ext cx="8458200" cy="3970318"/>
+            <a:off x="8915400" y="1752937"/>
+            <a:ext cx="8458200" cy="6186309"/>
           </a:xfrm>
           <a:prstGeom prst="rect">
             <a:avLst/>
@@ -6093,7 +7121,7 @@
               <a:buChar char="•"/>
             </a:pPr>
             <a:r>
-              <a:rPr lang="en-US" sz="2800" dirty="0"/>
+              <a:rPr lang="en-US" sz="3600" dirty="0"/>
               <a:t>Top 5 destinations: DEN, IAH, LAX, ORD, and SFO.</a:t>
             </a:r>
           </a:p>
@@ -6102,7 +7130,7 @@
               <a:buFont typeface="Arial" panose="020B0604020202020204" pitchFamily="34" charset="0"/>
               <a:buChar char="•"/>
             </a:pPr>
-            <a:endParaRPr lang="en-US" sz="2800" dirty="0"/>
+            <a:endParaRPr lang="en-US" sz="3600" dirty="0"/>
           </a:p>
           <a:p>
             <a:pPr marL="571500" indent="-571500">
@@ -6110,7 +7138,7 @@
               <a:buChar char="•"/>
             </a:pPr>
             <a:r>
-              <a:rPr lang="en-US" sz="2800" dirty="0"/>
+              <a:rPr lang="en-US" sz="3600" dirty="0"/>
               <a:t>Centered around zero.</a:t>
             </a:r>
           </a:p>
@@ -6119,7 +7147,7 @@
               <a:buFont typeface="Arial" panose="020B0604020202020204" pitchFamily="34" charset="0"/>
               <a:buChar char="•"/>
             </a:pPr>
-            <a:endParaRPr lang="en-US" sz="2800" dirty="0"/>
+            <a:endParaRPr lang="en-US" sz="3600" dirty="0"/>
           </a:p>
           <a:p>
             <a:pPr marL="571500" indent="-571500">
@@ -6127,7 +7155,7 @@
               <a:buChar char="•"/>
             </a:pPr>
             <a:r>
-              <a:rPr lang="en-US" sz="2800" dirty="0"/>
+              <a:rPr lang="en-US" sz="3600" dirty="0"/>
               <a:t>Average gain is negative; flight time is not made up in the air.</a:t>
             </a:r>
           </a:p>
@@ -6136,7 +7164,7 @@
               <a:buFont typeface="Arial" panose="020B0604020202020204" pitchFamily="34" charset="0"/>
               <a:buChar char="•"/>
             </a:pPr>
-            <a:endParaRPr lang="en-US" sz="2800" dirty="0"/>
+            <a:endParaRPr lang="en-US" sz="3600" dirty="0"/>
           </a:p>
           <a:p>
             <a:pPr marL="571500" indent="-571500">
@@ -6144,7 +7172,7 @@
               <a:buChar char="•"/>
             </a:pPr>
             <a:r>
-              <a:rPr lang="en-US" sz="2800" i="1" dirty="0">
+              <a:rPr lang="en-US" sz="3600" i="1" dirty="0">
                 <a:solidFill>
                   <a:srgbClr val="FF0000"/>
                 </a:solidFill>
@@ -6153,7 +7181,7 @@
             </a:r>
           </a:p>
           <a:p>
-            <a:endParaRPr lang="en-US" sz="2800" dirty="0"/>
+            <a:endParaRPr lang="en-US" sz="3600" dirty="0"/>
           </a:p>
         </p:txBody>
       </p:sp>
@@ -6172,7 +7200,7 @@
           <p:nvPr/>
         </p:nvPicPr>
         <p:blipFill>
-          <a:blip r:embed="rId4">
+          <a:blip r:embed="rId4" cstate="print">
             <a:extLst>
               <a:ext uri="{28A0092B-C50C-407E-A947-70E740481C1C}">
                 <a14:useLocalDpi xmlns:a14="http://schemas.microsoft.com/office/drawing/2010/main" val="0"/>
@@ -6828,6 +7856,29 @@
 </file>
 
 <file path=customXml/item1.xml><?xml version="1.0" encoding="utf-8"?>
+<?mso-contentType ?>
+<FormTemplates xmlns="http://schemas.microsoft.com/sharepoint/v3/contenttype/forms">
+  <Display>DocumentLibraryForm</Display>
+  <Edit>DocumentLibraryForm</Edit>
+  <New>DocumentLibraryForm</New>
+</FormTemplates>
+</file>
+
+<file path=customXml/item2.xml><?xml version="1.0" encoding="utf-8"?>
+<p:properties xmlns:p="http://schemas.microsoft.com/office/2006/metadata/properties" xmlns:xsi="http://www.w3.org/2001/XMLSchema-instance" xmlns:pc="http://schemas.microsoft.com/office/infopath/2007/PartnerControls">
+  <documentManagement>
+    <TaxCatchAll xmlns="915351b3-9d83-48b3-ac22-e3c9aaa21acc" xsi:nil="true"/>
+    <lcf76f155ced4ddcb4097134ff3c332f xmlns="90bfa618-64d6-4f98-860f-1bba87795c0a">
+      <Terms xmlns="http://schemas.microsoft.com/office/infopath/2007/PartnerControls"/>
+    </lcf76f155ced4ddcb4097134ff3c332f>
+    <Thumbnail xmlns="90bfa618-64d6-4f98-860f-1bba87795c0a" xsi:nil="true"/>
+    <PLEASEDOWNLOADANDSAVEBEFOREUSE xmlns="90bfa618-64d6-4f98-860f-1bba87795c0a" xsi:nil="true"/>
+    <Dateandtime xmlns="90bfa618-64d6-4f98-860f-1bba87795c0a" xsi:nil="true"/>
+  </documentManagement>
+</p:properties>
+</file>
+
+<file path=customXml/item3.xml><?xml version="1.0" encoding="utf-8"?>
 <ct:contentTypeSchema xmlns:ct="http://schemas.microsoft.com/office/2006/metadata/contentType" xmlns:ma="http://schemas.microsoft.com/office/2006/metadata/properties/metaAttributes" ct:_="" ma:_="" ma:contentTypeName="Document" ma:contentTypeID="0x010100F28C71AAF82D974DA0302843D413C0DC" ma:contentTypeVersion="17" ma:contentTypeDescription="Create a new document." ma:contentTypeScope="" ma:versionID="347cad82de7c514b6601bfa2a37a78a6">
   <xsd:schema xmlns:xsd="http://www.w3.org/2001/XMLSchema" xmlns:xs="http://www.w3.org/2001/XMLSchema" xmlns:p="http://schemas.microsoft.com/office/2006/metadata/properties" xmlns:ns2="90bfa618-64d6-4f98-860f-1bba87795c0a" xmlns:ns3="915351b3-9d83-48b3-ac22-e3c9aaa21acc" targetNamespace="http://schemas.microsoft.com/office/2006/metadata/properties" ma:root="true" ma:fieldsID="aac7e9cee1fa94fd2b28b4f9c7177d59" ns2:_="" ns3:_="">
     <xsd:import namespace="90bfa618-64d6-4f98-860f-1bba87795c0a"/>
@@ -7076,30 +8127,26 @@
 </ct:contentTypeSchema>
 </file>
 
-<file path=customXml/item2.xml><?xml version="1.0" encoding="utf-8"?>
-<p:properties xmlns:p="http://schemas.microsoft.com/office/2006/metadata/properties" xmlns:xsi="http://www.w3.org/2001/XMLSchema-instance" xmlns:pc="http://schemas.microsoft.com/office/infopath/2007/PartnerControls">
-  <documentManagement>
-    <TaxCatchAll xmlns="915351b3-9d83-48b3-ac22-e3c9aaa21acc" xsi:nil="true"/>
-    <lcf76f155ced4ddcb4097134ff3c332f xmlns="90bfa618-64d6-4f98-860f-1bba87795c0a">
-      <Terms xmlns="http://schemas.microsoft.com/office/infopath/2007/PartnerControls"/>
-    </lcf76f155ced4ddcb4097134ff3c332f>
-    <Thumbnail xmlns="90bfa618-64d6-4f98-860f-1bba87795c0a" xsi:nil="true"/>
-    <PLEASEDOWNLOADANDSAVEBEFOREUSE xmlns="90bfa618-64d6-4f98-860f-1bba87795c0a" xsi:nil="true"/>
-    <Dateandtime xmlns="90bfa618-64d6-4f98-860f-1bba87795c0a" xsi:nil="true"/>
-  </documentManagement>
-</p:properties>
+<file path=customXml/itemProps1.xml><?xml version="1.0" encoding="utf-8"?>
+<ds:datastoreItem xmlns:ds="http://schemas.openxmlformats.org/officeDocument/2006/customXml" ds:itemID="{858E24E1-0D68-48DA-A645-987BD3EB4DAD}">
+  <ds:schemaRefs>
+    <ds:schemaRef ds:uri="http://schemas.microsoft.com/sharepoint/v3/contenttype/forms"/>
+  </ds:schemaRefs>
+</ds:datastoreItem>
 </file>
 
-<file path=customXml/item3.xml><?xml version="1.0" encoding="utf-8"?>
-<?mso-contentType ?>
-<FormTemplates xmlns="http://schemas.microsoft.com/sharepoint/v3/contenttype/forms">
-  <Display>DocumentLibraryForm</Display>
-  <Edit>DocumentLibraryForm</Edit>
-  <New>DocumentLibraryForm</New>
-</FormTemplates>
+<file path=customXml/itemProps2.xml><?xml version="1.0" encoding="utf-8"?>
+<ds:datastoreItem xmlns:ds="http://schemas.openxmlformats.org/officeDocument/2006/customXml" ds:itemID="{3B256CB6-7CC2-4951-B6D4-D49A5657139B}">
+  <ds:schemaRefs>
+    <ds:schemaRef ds:uri="http://schemas.microsoft.com/office/2006/metadata/properties"/>
+    <ds:schemaRef ds:uri="http://schemas.microsoft.com/office/infopath/2007/PartnerControls"/>
+    <ds:schemaRef ds:uri="915351b3-9d83-48b3-ac22-e3c9aaa21acc"/>
+    <ds:schemaRef ds:uri="90bfa618-64d6-4f98-860f-1bba87795c0a"/>
+  </ds:schemaRefs>
+</ds:datastoreItem>
 </file>
 
-<file path=customXml/itemProps1.xml><?xml version="1.0" encoding="utf-8"?>
+<file path=customXml/itemProps3.xml><?xml version="1.0" encoding="utf-8"?>
 <ds:datastoreItem xmlns:ds="http://schemas.openxmlformats.org/officeDocument/2006/customXml" ds:itemID="{57867A1C-3DDC-4CEC-8406-B1C9CE7DFDCC}">
   <ds:schemaRefs>
     <ds:schemaRef ds:uri="http://schemas.microsoft.com/office/2006/metadata/contentType"/>
@@ -7116,23 +8163,4 @@
     <ds:schemaRef ds:uri="http://schemas.microsoft.com/internal/obd"/>
   </ds:schemaRefs>
 </ds:datastoreItem>
-</file>
-
-<file path=customXml/itemProps2.xml><?xml version="1.0" encoding="utf-8"?>
-<ds:datastoreItem xmlns:ds="http://schemas.openxmlformats.org/officeDocument/2006/customXml" ds:itemID="{3B256CB6-7CC2-4951-B6D4-D49A5657139B}">
-  <ds:schemaRefs>
-    <ds:schemaRef ds:uri="http://schemas.microsoft.com/office/2006/metadata/properties"/>
-    <ds:schemaRef ds:uri="http://schemas.microsoft.com/office/infopath/2007/PartnerControls"/>
-    <ds:schemaRef ds:uri="915351b3-9d83-48b3-ac22-e3c9aaa21acc"/>
-    <ds:schemaRef ds:uri="90bfa618-64d6-4f98-860f-1bba87795c0a"/>
-  </ds:schemaRefs>
-</ds:datastoreItem>
-</file>
-
-<file path=customXml/itemProps3.xml><?xml version="1.0" encoding="utf-8"?>
-<ds:datastoreItem xmlns:ds="http://schemas.openxmlformats.org/officeDocument/2006/customXml" ds:itemID="{858E24E1-0D68-48DA-A645-987BD3EB4DAD}">
-  <ds:schemaRefs>
-    <ds:schemaRef ds:uri="http://schemas.microsoft.com/sharepoint/v3/contenttype/forms"/>
-  </ds:schemaRefs>
-</ds:datastoreItem>
 </file>